--- a/Slides/my_slides.pptx
+++ b/Slides/my_slides.pptx
@@ -250,7 +250,7 @@
           <a:p>
             <a:fld id="{8A98A522-022A-DE42-AE0F-3F297654DEB1}" type="datetime1">
               <a:rPr lang="de-DE" smtClean="0"/>
-              <a:t>20.12.2019</a:t>
+              <a:t>05.01.2020</a:t>
             </a:fld>
             <a:endParaRPr lang="de-DE"/>
           </a:p>
@@ -416,7 +416,7 @@
           <a:p>
             <a:fld id="{6369775B-D8D0-A847-ABC6-465B2BAD3F7E}" type="datetime1">
               <a:rPr lang="de-DE" smtClean="0"/>
-              <a:t>20.12.2019</a:t>
+              <a:t>05.01.2020</a:t>
             </a:fld>
             <a:endParaRPr lang="de-DE"/>
           </a:p>
@@ -719,7 +719,7 @@
           <a:p>
             <a:fld id="{5E68E6A9-9B11-40C6-81AA-114CC9A79F2E}" type="datetime1">
               <a:rPr lang="de-DE" smtClean="0"/>
-              <a:t>20.12.2019</a:t>
+              <a:t>05.01.2020</a:t>
             </a:fld>
             <a:endParaRPr lang="de-DE"/>
           </a:p>
@@ -960,7 +960,7 @@
           <a:p>
             <a:fld id="{CE8EA2C4-11B2-4704-B9B6-DA1624672247}" type="datetime1">
               <a:rPr lang="de-DE" smtClean="0"/>
-              <a:t>20.12.2019</a:t>
+              <a:t>05.01.2020</a:t>
             </a:fld>
             <a:endParaRPr lang="de-DE"/>
           </a:p>
@@ -1202,7 +1202,7 @@
           <a:p>
             <a:fld id="{5365C87E-73EC-414A-84B2-BDB89312D003}" type="datetime1">
               <a:rPr lang="de-DE" smtClean="0"/>
-              <a:t>20.12.2019</a:t>
+              <a:t>05.01.2020</a:t>
             </a:fld>
             <a:endParaRPr lang="de-DE"/>
           </a:p>
@@ -1410,7 +1410,7 @@
           <a:p>
             <a:fld id="{2E6A9CFA-E787-47F7-A7FA-131DEE1716A6}" type="datetime1">
               <a:rPr lang="de-DE" smtClean="0"/>
-              <a:t>20.12.2019</a:t>
+              <a:t>05.01.2020</a:t>
             </a:fld>
             <a:endParaRPr lang="de-DE"/>
           </a:p>
@@ -1561,7 +1561,7 @@
           <a:p>
             <a:fld id="{EB1491D3-41CF-42EB-8C58-2CAB0ABC7EF4}" type="datetime1">
               <a:rPr lang="de-DE" smtClean="0"/>
-              <a:t>20.12.2019</a:t>
+              <a:t>05.01.2020</a:t>
             </a:fld>
             <a:endParaRPr lang="de-DE"/>
           </a:p>
@@ -1661,7 +1661,7 @@
           <a:p>
             <a:fld id="{CA29FA76-C1EC-43A2-8AE1-961796B1AD92}" type="datetime1">
               <a:rPr lang="de-DE" smtClean="0"/>
-              <a:t>20.12.2019</a:t>
+              <a:t>05.01.2020</a:t>
             </a:fld>
             <a:endParaRPr lang="de-DE" dirty="0"/>
           </a:p>
@@ -2142,7 +2142,7 @@
         </p:nvSpPr>
         <p:spPr>
           <a:xfrm>
-            <a:off x="602343" y="914611"/>
+            <a:off x="587103" y="914611"/>
             <a:ext cx="8084457" cy="2386528"/>
           </a:xfrm>
         </p:spPr>
@@ -2166,7 +2166,7 @@
             </a:br>
             <a:r>
               <a:rPr lang="de-DE" sz="3600" dirty="0" smtClean="0"/>
-              <a:t>3rd Semester</a:t>
+              <a:t>Winter Semester 2019/2020</a:t>
             </a:r>
             <a:r>
               <a:rPr lang="de-DE" sz="3600" dirty="0"/>
@@ -2317,51 +2317,667 @@
       </p:grpSpPr>
       <p:sp>
         <p:nvSpPr>
-          <p:cNvPr id="3" name="Inhaltsplatzhalter 2"/>
-          <p:cNvSpPr>
-            <a:spLocks noGrp="1"/>
-          </p:cNvSpPr>
-          <p:nvPr>
-            <p:ph idx="1"/>
-          </p:nvPr>
-        </p:nvSpPr>
-        <p:spPr/>
-        <p:txBody>
-          <a:bodyPr/>
+          <p:cNvPr id="7" name="Freeform 6"/>
+          <p:cNvSpPr/>
+          <p:nvPr/>
+        </p:nvSpPr>
+        <p:spPr>
+          <a:xfrm>
+            <a:off x="537029" y="2042160"/>
+            <a:ext cx="8165011" cy="1283170"/>
+          </a:xfrm>
+          <a:custGeom>
+            <a:avLst/>
+            <a:gdLst>
+              <a:gd name="connsiteX0" fmla="*/ 0 w 8149771"/>
+              <a:gd name="connsiteY0" fmla="*/ 127311 h 1273106"/>
+              <a:gd name="connsiteX1" fmla="*/ 127311 w 8149771"/>
+              <a:gd name="connsiteY1" fmla="*/ 0 h 1273106"/>
+              <a:gd name="connsiteX2" fmla="*/ 8022460 w 8149771"/>
+              <a:gd name="connsiteY2" fmla="*/ 0 h 1273106"/>
+              <a:gd name="connsiteX3" fmla="*/ 8149771 w 8149771"/>
+              <a:gd name="connsiteY3" fmla="*/ 127311 h 1273106"/>
+              <a:gd name="connsiteX4" fmla="*/ 8149771 w 8149771"/>
+              <a:gd name="connsiteY4" fmla="*/ 1145795 h 1273106"/>
+              <a:gd name="connsiteX5" fmla="*/ 8022460 w 8149771"/>
+              <a:gd name="connsiteY5" fmla="*/ 1273106 h 1273106"/>
+              <a:gd name="connsiteX6" fmla="*/ 127311 w 8149771"/>
+              <a:gd name="connsiteY6" fmla="*/ 1273106 h 1273106"/>
+              <a:gd name="connsiteX7" fmla="*/ 0 w 8149771"/>
+              <a:gd name="connsiteY7" fmla="*/ 1145795 h 1273106"/>
+              <a:gd name="connsiteX8" fmla="*/ 0 w 8149771"/>
+              <a:gd name="connsiteY8" fmla="*/ 127311 h 1273106"/>
+            </a:gdLst>
+            <a:ahLst/>
+            <a:cxnLst>
+              <a:cxn ang="0">
+                <a:pos x="connsiteX0" y="connsiteY0"/>
+              </a:cxn>
+              <a:cxn ang="0">
+                <a:pos x="connsiteX1" y="connsiteY1"/>
+              </a:cxn>
+              <a:cxn ang="0">
+                <a:pos x="connsiteX2" y="connsiteY2"/>
+              </a:cxn>
+              <a:cxn ang="0">
+                <a:pos x="connsiteX3" y="connsiteY3"/>
+              </a:cxn>
+              <a:cxn ang="0">
+                <a:pos x="connsiteX4" y="connsiteY4"/>
+              </a:cxn>
+              <a:cxn ang="0">
+                <a:pos x="connsiteX5" y="connsiteY5"/>
+              </a:cxn>
+              <a:cxn ang="0">
+                <a:pos x="connsiteX6" y="connsiteY6"/>
+              </a:cxn>
+              <a:cxn ang="0">
+                <a:pos x="connsiteX7" y="connsiteY7"/>
+              </a:cxn>
+              <a:cxn ang="0">
+                <a:pos x="connsiteX8" y="connsiteY8"/>
+              </a:cxn>
+            </a:cxnLst>
+            <a:rect l="l" t="t" r="r" b="b"/>
+            <a:pathLst>
+              <a:path w="8149771" h="1273106">
+                <a:moveTo>
+                  <a:pt x="0" y="127311"/>
+                </a:moveTo>
+                <a:cubicBezTo>
+                  <a:pt x="0" y="56999"/>
+                  <a:pt x="56999" y="0"/>
+                  <a:pt x="127311" y="0"/>
+                </a:cubicBezTo>
+                <a:lnTo>
+                  <a:pt x="8022460" y="0"/>
+                </a:lnTo>
+                <a:cubicBezTo>
+                  <a:pt x="8092772" y="0"/>
+                  <a:pt x="8149771" y="56999"/>
+                  <a:pt x="8149771" y="127311"/>
+                </a:cubicBezTo>
+                <a:lnTo>
+                  <a:pt x="8149771" y="1145795"/>
+                </a:lnTo>
+                <a:cubicBezTo>
+                  <a:pt x="8149771" y="1216107"/>
+                  <a:pt x="8092772" y="1273106"/>
+                  <a:pt x="8022460" y="1273106"/>
+                </a:cubicBezTo>
+                <a:lnTo>
+                  <a:pt x="127311" y="1273106"/>
+                </a:lnTo>
+                <a:cubicBezTo>
+                  <a:pt x="56999" y="1273106"/>
+                  <a:pt x="0" y="1216107"/>
+                  <a:pt x="0" y="1145795"/>
+                </a:cubicBezTo>
+                <a:lnTo>
+                  <a:pt x="0" y="127311"/>
+                </a:lnTo>
+                <a:close/>
+              </a:path>
+            </a:pathLst>
+          </a:custGeom>
+        </p:spPr>
+        <p:style>
+          <a:lnRef idx="0">
+            <a:schemeClr val="lt1">
+              <a:hueOff val="0"/>
+              <a:satOff val="0"/>
+              <a:lumOff val="0"/>
+              <a:alphaOff val="0"/>
+            </a:schemeClr>
+          </a:lnRef>
+          <a:fillRef idx="3">
+            <a:schemeClr val="accent1">
+              <a:hueOff val="0"/>
+              <a:satOff val="0"/>
+              <a:lumOff val="0"/>
+              <a:alphaOff val="0"/>
+            </a:schemeClr>
+          </a:fillRef>
+          <a:effectRef idx="2">
+            <a:schemeClr val="accent1">
+              <a:hueOff val="0"/>
+              <a:satOff val="0"/>
+              <a:lumOff val="0"/>
+              <a:alphaOff val="0"/>
+            </a:schemeClr>
+          </a:effectRef>
+          <a:fontRef idx="minor">
+            <a:schemeClr val="lt1"/>
+          </a:fontRef>
+        </p:style>
+        <p:txBody>
+          <a:bodyPr spcFirstLastPara="0" vert="horz" wrap="square" lIns="1841084" tIns="83820" rIns="83821" bIns="83820" numCol="1" spcCol="1270" anchor="ctr" anchorCtr="0">
+            <a:noAutofit/>
+          </a:bodyPr>
           <a:lstStyle/>
           <a:p>
-            <a:r>
-              <a:rPr lang="de-DE" dirty="0" smtClean="0"/>
-              <a:t>Face tracking is a computer vision task that involves tracking a specific number of landmarks on the face detected across all frames of a video</a:t>
-            </a:r>
-            <a:r>
-              <a:rPr lang="de-DE" dirty="0" smtClean="0"/>
-              <a:t>.</a:t>
-            </a:r>
-          </a:p>
-          <a:p>
-            <a:r>
-              <a:rPr lang="de-DE" dirty="0" smtClean="0"/>
+            <a:pPr lvl="0" algn="l" defTabSz="977900" rtl="0">
+              <a:lnSpc>
+                <a:spcPct val="90000"/>
+              </a:lnSpc>
+              <a:spcBef>
+                <a:spcPct val="0"/>
+              </a:spcBef>
+              <a:spcAft>
+                <a:spcPct val="35000"/>
+              </a:spcAft>
+            </a:pPr>
+            <a:r>
+              <a:rPr lang="de-DE" sz="2200" b="1" i="0" kern="1200" baseline="0" dirty="0" smtClean="0"/>
+              <a:t>Face tracking is a computer vision task that involves tracking a specific number of landmarks on the face detected across all frames of a video.</a:t>
+            </a:r>
+            <a:endParaRPr lang="en-US" sz="2200" kern="1200" dirty="0"/>
+          </a:p>
+        </p:txBody>
+      </p:sp>
+      <p:sp>
+        <p:nvSpPr>
+          <p:cNvPr id="8" name="Rounded Rectangle 7"/>
+          <p:cNvSpPr/>
+          <p:nvPr/>
+        </p:nvSpPr>
+        <p:spPr>
+          <a:xfrm>
+            <a:off x="664339" y="2179534"/>
+            <a:ext cx="1629954" cy="1018485"/>
+          </a:xfrm>
+          <a:prstGeom prst="roundRect">
+            <a:avLst>
+              <a:gd name="adj" fmla="val 10000"/>
+            </a:avLst>
+          </a:prstGeom>
+          <a:blipFill>
+            <a:blip r:embed="rId2">
+              <a:extLst>
+                <a:ext uri="{28A0092B-C50C-407E-A947-70E740481C1C}">
+                  <a14:useLocalDpi xmlns:a14="http://schemas.microsoft.com/office/drawing/2010/main" val="0"/>
+                </a:ext>
+              </a:extLst>
+            </a:blip>
+            <a:srcRect/>
+            <a:stretch>
+              <a:fillRect t="-2000" b="-2000"/>
+            </a:stretch>
+          </a:blipFill>
+        </p:spPr>
+        <p:style>
+          <a:lnRef idx="0">
+            <a:schemeClr val="lt1">
+              <a:hueOff val="0"/>
+              <a:satOff val="0"/>
+              <a:lumOff val="0"/>
+              <a:alphaOff val="0"/>
+            </a:schemeClr>
+          </a:lnRef>
+          <a:fillRef idx="1">
+            <a:scrgbClr r="0" g="0" b="0"/>
+          </a:fillRef>
+          <a:effectRef idx="2">
+            <a:schemeClr val="accent1">
+              <a:tint val="50000"/>
+              <a:hueOff val="0"/>
+              <a:satOff val="0"/>
+              <a:lumOff val="0"/>
+              <a:alphaOff val="0"/>
+            </a:schemeClr>
+          </a:effectRef>
+          <a:fontRef idx="minor">
+            <a:schemeClr val="lt1">
+              <a:hueOff val="0"/>
+              <a:satOff val="0"/>
+              <a:lumOff val="0"/>
+              <a:alphaOff val="0"/>
+            </a:schemeClr>
+          </a:fontRef>
+        </p:style>
+      </p:sp>
+      <p:sp>
+        <p:nvSpPr>
+          <p:cNvPr id="9" name="Freeform 8"/>
+          <p:cNvSpPr/>
+          <p:nvPr/>
+        </p:nvSpPr>
+        <p:spPr>
+          <a:xfrm>
+            <a:off x="537029" y="3452641"/>
+            <a:ext cx="8149771" cy="1273106"/>
+          </a:xfrm>
+          <a:custGeom>
+            <a:avLst/>
+            <a:gdLst>
+              <a:gd name="connsiteX0" fmla="*/ 0 w 8149771"/>
+              <a:gd name="connsiteY0" fmla="*/ 127311 h 1273106"/>
+              <a:gd name="connsiteX1" fmla="*/ 127311 w 8149771"/>
+              <a:gd name="connsiteY1" fmla="*/ 0 h 1273106"/>
+              <a:gd name="connsiteX2" fmla="*/ 8022460 w 8149771"/>
+              <a:gd name="connsiteY2" fmla="*/ 0 h 1273106"/>
+              <a:gd name="connsiteX3" fmla="*/ 8149771 w 8149771"/>
+              <a:gd name="connsiteY3" fmla="*/ 127311 h 1273106"/>
+              <a:gd name="connsiteX4" fmla="*/ 8149771 w 8149771"/>
+              <a:gd name="connsiteY4" fmla="*/ 1145795 h 1273106"/>
+              <a:gd name="connsiteX5" fmla="*/ 8022460 w 8149771"/>
+              <a:gd name="connsiteY5" fmla="*/ 1273106 h 1273106"/>
+              <a:gd name="connsiteX6" fmla="*/ 127311 w 8149771"/>
+              <a:gd name="connsiteY6" fmla="*/ 1273106 h 1273106"/>
+              <a:gd name="connsiteX7" fmla="*/ 0 w 8149771"/>
+              <a:gd name="connsiteY7" fmla="*/ 1145795 h 1273106"/>
+              <a:gd name="connsiteX8" fmla="*/ 0 w 8149771"/>
+              <a:gd name="connsiteY8" fmla="*/ 127311 h 1273106"/>
+            </a:gdLst>
+            <a:ahLst/>
+            <a:cxnLst>
+              <a:cxn ang="0">
+                <a:pos x="connsiteX0" y="connsiteY0"/>
+              </a:cxn>
+              <a:cxn ang="0">
+                <a:pos x="connsiteX1" y="connsiteY1"/>
+              </a:cxn>
+              <a:cxn ang="0">
+                <a:pos x="connsiteX2" y="connsiteY2"/>
+              </a:cxn>
+              <a:cxn ang="0">
+                <a:pos x="connsiteX3" y="connsiteY3"/>
+              </a:cxn>
+              <a:cxn ang="0">
+                <a:pos x="connsiteX4" y="connsiteY4"/>
+              </a:cxn>
+              <a:cxn ang="0">
+                <a:pos x="connsiteX5" y="connsiteY5"/>
+              </a:cxn>
+              <a:cxn ang="0">
+                <a:pos x="connsiteX6" y="connsiteY6"/>
+              </a:cxn>
+              <a:cxn ang="0">
+                <a:pos x="connsiteX7" y="connsiteY7"/>
+              </a:cxn>
+              <a:cxn ang="0">
+                <a:pos x="connsiteX8" y="connsiteY8"/>
+              </a:cxn>
+            </a:cxnLst>
+            <a:rect l="l" t="t" r="r" b="b"/>
+            <a:pathLst>
+              <a:path w="8149771" h="1273106">
+                <a:moveTo>
+                  <a:pt x="0" y="127311"/>
+                </a:moveTo>
+                <a:cubicBezTo>
+                  <a:pt x="0" y="56999"/>
+                  <a:pt x="56999" y="0"/>
+                  <a:pt x="127311" y="0"/>
+                </a:cubicBezTo>
+                <a:lnTo>
+                  <a:pt x="8022460" y="0"/>
+                </a:lnTo>
+                <a:cubicBezTo>
+                  <a:pt x="8092772" y="0"/>
+                  <a:pt x="8149771" y="56999"/>
+                  <a:pt x="8149771" y="127311"/>
+                </a:cubicBezTo>
+                <a:lnTo>
+                  <a:pt x="8149771" y="1145795"/>
+                </a:lnTo>
+                <a:cubicBezTo>
+                  <a:pt x="8149771" y="1216107"/>
+                  <a:pt x="8092772" y="1273106"/>
+                  <a:pt x="8022460" y="1273106"/>
+                </a:cubicBezTo>
+                <a:lnTo>
+                  <a:pt x="127311" y="1273106"/>
+                </a:lnTo>
+                <a:cubicBezTo>
+                  <a:pt x="56999" y="1273106"/>
+                  <a:pt x="0" y="1216107"/>
+                  <a:pt x="0" y="1145795"/>
+                </a:cubicBezTo>
+                <a:lnTo>
+                  <a:pt x="0" y="127311"/>
+                </a:lnTo>
+                <a:close/>
+              </a:path>
+            </a:pathLst>
+          </a:custGeom>
+        </p:spPr>
+        <p:style>
+          <a:lnRef idx="0">
+            <a:schemeClr val="lt1">
+              <a:hueOff val="0"/>
+              <a:satOff val="0"/>
+              <a:lumOff val="0"/>
+              <a:alphaOff val="0"/>
+            </a:schemeClr>
+          </a:lnRef>
+          <a:fillRef idx="3">
+            <a:schemeClr val="accent1">
+              <a:hueOff val="0"/>
+              <a:satOff val="0"/>
+              <a:lumOff val="0"/>
+              <a:alphaOff val="0"/>
+            </a:schemeClr>
+          </a:fillRef>
+          <a:effectRef idx="2">
+            <a:schemeClr val="accent1">
+              <a:hueOff val="0"/>
+              <a:satOff val="0"/>
+              <a:lumOff val="0"/>
+              <a:alphaOff val="0"/>
+            </a:schemeClr>
+          </a:effectRef>
+          <a:fontRef idx="minor">
+            <a:schemeClr val="lt1"/>
+          </a:fontRef>
+        </p:style>
+        <p:txBody>
+          <a:bodyPr spcFirstLastPara="0" vert="horz" wrap="square" lIns="1841084" tIns="83820" rIns="83821" bIns="83820" numCol="1" spcCol="1270" anchor="ctr" anchorCtr="0">
+            <a:noAutofit/>
+          </a:bodyPr>
+          <a:lstStyle/>
+          <a:p>
+            <a:pPr lvl="0" algn="l" defTabSz="977900" rtl="0">
+              <a:lnSpc>
+                <a:spcPct val="90000"/>
+              </a:lnSpc>
+              <a:spcBef>
+                <a:spcPct val="0"/>
+              </a:spcBef>
+              <a:spcAft>
+                <a:spcPct val="35000"/>
+              </a:spcAft>
+            </a:pPr>
+            <a:r>
+              <a:rPr lang="de-DE" sz="2200" b="1" i="0" kern="1200" baseline="0" dirty="0" smtClean="0"/>
               <a:t>Applications include Face analysis, Person identification, Activity recognition, Sentiment analysis, Face modeling etc. </a:t>
             </a:r>
-            <a:endParaRPr lang="de-DE" dirty="0" smtClean="0"/>
-          </a:p>
-          <a:p>
-            <a:r>
-              <a:rPr lang="de-DE" dirty="0" smtClean="0"/>
-              <a:t>It is a challenging problem as the videos are captured in unconstrained conditions which may include </a:t>
-            </a:r>
-            <a:r>
-              <a:rPr lang="de-DE" dirty="0" smtClean="0"/>
-              <a:t>illumination variations, large head poses, occlusions</a:t>
-            </a:r>
-            <a:r>
-              <a:rPr lang="de-DE" dirty="0" smtClean="0"/>
-              <a:t>.</a:t>
-            </a:r>
-            <a:endParaRPr lang="de-DE" dirty="0" smtClean="0"/>
-          </a:p>
-        </p:txBody>
+            <a:endParaRPr lang="en-US" sz="2200" kern="1200" dirty="0"/>
+          </a:p>
+        </p:txBody>
+      </p:sp>
+      <p:sp>
+        <p:nvSpPr>
+          <p:cNvPr id="10" name="Rounded Rectangle 9"/>
+          <p:cNvSpPr/>
+          <p:nvPr/>
+        </p:nvSpPr>
+        <p:spPr>
+          <a:xfrm>
+            <a:off x="664339" y="3579951"/>
+            <a:ext cx="1629954" cy="1018485"/>
+          </a:xfrm>
+          <a:prstGeom prst="roundRect">
+            <a:avLst>
+              <a:gd name="adj" fmla="val 10000"/>
+            </a:avLst>
+          </a:prstGeom>
+          <a:blipFill>
+            <a:blip r:embed="rId3">
+              <a:extLst>
+                <a:ext uri="{28A0092B-C50C-407E-A947-70E740481C1C}">
+                  <a14:useLocalDpi xmlns:a14="http://schemas.microsoft.com/office/drawing/2010/main" val="0"/>
+                </a:ext>
+              </a:extLst>
+            </a:blip>
+            <a:srcRect/>
+            <a:stretch>
+              <a:fillRect t="-11000" b="-11000"/>
+            </a:stretch>
+          </a:blipFill>
+        </p:spPr>
+        <p:style>
+          <a:lnRef idx="0">
+            <a:schemeClr val="lt1">
+              <a:hueOff val="0"/>
+              <a:satOff val="0"/>
+              <a:lumOff val="0"/>
+              <a:alphaOff val="0"/>
+            </a:schemeClr>
+          </a:lnRef>
+          <a:fillRef idx="1">
+            <a:scrgbClr r="0" g="0" b="0"/>
+          </a:fillRef>
+          <a:effectRef idx="2">
+            <a:schemeClr val="accent1">
+              <a:tint val="50000"/>
+              <a:hueOff val="0"/>
+              <a:satOff val="0"/>
+              <a:lumOff val="0"/>
+              <a:alphaOff val="0"/>
+            </a:schemeClr>
+          </a:effectRef>
+          <a:fontRef idx="minor">
+            <a:schemeClr val="lt1">
+              <a:hueOff val="0"/>
+              <a:satOff val="0"/>
+              <a:lumOff val="0"/>
+              <a:alphaOff val="0"/>
+            </a:schemeClr>
+          </a:fontRef>
+        </p:style>
+      </p:sp>
+      <p:sp>
+        <p:nvSpPr>
+          <p:cNvPr id="11" name="Freeform 10"/>
+          <p:cNvSpPr/>
+          <p:nvPr/>
+        </p:nvSpPr>
+        <p:spPr>
+          <a:xfrm>
+            <a:off x="537029" y="4853058"/>
+            <a:ext cx="8149771" cy="1273106"/>
+          </a:xfrm>
+          <a:custGeom>
+            <a:avLst/>
+            <a:gdLst>
+              <a:gd name="connsiteX0" fmla="*/ 0 w 8149771"/>
+              <a:gd name="connsiteY0" fmla="*/ 127311 h 1273106"/>
+              <a:gd name="connsiteX1" fmla="*/ 127311 w 8149771"/>
+              <a:gd name="connsiteY1" fmla="*/ 0 h 1273106"/>
+              <a:gd name="connsiteX2" fmla="*/ 8022460 w 8149771"/>
+              <a:gd name="connsiteY2" fmla="*/ 0 h 1273106"/>
+              <a:gd name="connsiteX3" fmla="*/ 8149771 w 8149771"/>
+              <a:gd name="connsiteY3" fmla="*/ 127311 h 1273106"/>
+              <a:gd name="connsiteX4" fmla="*/ 8149771 w 8149771"/>
+              <a:gd name="connsiteY4" fmla="*/ 1145795 h 1273106"/>
+              <a:gd name="connsiteX5" fmla="*/ 8022460 w 8149771"/>
+              <a:gd name="connsiteY5" fmla="*/ 1273106 h 1273106"/>
+              <a:gd name="connsiteX6" fmla="*/ 127311 w 8149771"/>
+              <a:gd name="connsiteY6" fmla="*/ 1273106 h 1273106"/>
+              <a:gd name="connsiteX7" fmla="*/ 0 w 8149771"/>
+              <a:gd name="connsiteY7" fmla="*/ 1145795 h 1273106"/>
+              <a:gd name="connsiteX8" fmla="*/ 0 w 8149771"/>
+              <a:gd name="connsiteY8" fmla="*/ 127311 h 1273106"/>
+            </a:gdLst>
+            <a:ahLst/>
+            <a:cxnLst>
+              <a:cxn ang="0">
+                <a:pos x="connsiteX0" y="connsiteY0"/>
+              </a:cxn>
+              <a:cxn ang="0">
+                <a:pos x="connsiteX1" y="connsiteY1"/>
+              </a:cxn>
+              <a:cxn ang="0">
+                <a:pos x="connsiteX2" y="connsiteY2"/>
+              </a:cxn>
+              <a:cxn ang="0">
+                <a:pos x="connsiteX3" y="connsiteY3"/>
+              </a:cxn>
+              <a:cxn ang="0">
+                <a:pos x="connsiteX4" y="connsiteY4"/>
+              </a:cxn>
+              <a:cxn ang="0">
+                <a:pos x="connsiteX5" y="connsiteY5"/>
+              </a:cxn>
+              <a:cxn ang="0">
+                <a:pos x="connsiteX6" y="connsiteY6"/>
+              </a:cxn>
+              <a:cxn ang="0">
+                <a:pos x="connsiteX7" y="connsiteY7"/>
+              </a:cxn>
+              <a:cxn ang="0">
+                <a:pos x="connsiteX8" y="connsiteY8"/>
+              </a:cxn>
+            </a:cxnLst>
+            <a:rect l="l" t="t" r="r" b="b"/>
+            <a:pathLst>
+              <a:path w="8149771" h="1273106">
+                <a:moveTo>
+                  <a:pt x="0" y="127311"/>
+                </a:moveTo>
+                <a:cubicBezTo>
+                  <a:pt x="0" y="56999"/>
+                  <a:pt x="56999" y="0"/>
+                  <a:pt x="127311" y="0"/>
+                </a:cubicBezTo>
+                <a:lnTo>
+                  <a:pt x="8022460" y="0"/>
+                </a:lnTo>
+                <a:cubicBezTo>
+                  <a:pt x="8092772" y="0"/>
+                  <a:pt x="8149771" y="56999"/>
+                  <a:pt x="8149771" y="127311"/>
+                </a:cubicBezTo>
+                <a:lnTo>
+                  <a:pt x="8149771" y="1145795"/>
+                </a:lnTo>
+                <a:cubicBezTo>
+                  <a:pt x="8149771" y="1216107"/>
+                  <a:pt x="8092772" y="1273106"/>
+                  <a:pt x="8022460" y="1273106"/>
+                </a:cubicBezTo>
+                <a:lnTo>
+                  <a:pt x="127311" y="1273106"/>
+                </a:lnTo>
+                <a:cubicBezTo>
+                  <a:pt x="56999" y="1273106"/>
+                  <a:pt x="0" y="1216107"/>
+                  <a:pt x="0" y="1145795"/>
+                </a:cubicBezTo>
+                <a:lnTo>
+                  <a:pt x="0" y="127311"/>
+                </a:lnTo>
+                <a:close/>
+              </a:path>
+            </a:pathLst>
+          </a:custGeom>
+        </p:spPr>
+        <p:style>
+          <a:lnRef idx="0">
+            <a:schemeClr val="lt1">
+              <a:hueOff val="0"/>
+              <a:satOff val="0"/>
+              <a:lumOff val="0"/>
+              <a:alphaOff val="0"/>
+            </a:schemeClr>
+          </a:lnRef>
+          <a:fillRef idx="3">
+            <a:schemeClr val="accent1">
+              <a:hueOff val="0"/>
+              <a:satOff val="0"/>
+              <a:lumOff val="0"/>
+              <a:alphaOff val="0"/>
+            </a:schemeClr>
+          </a:fillRef>
+          <a:effectRef idx="2">
+            <a:schemeClr val="accent1">
+              <a:hueOff val="0"/>
+              <a:satOff val="0"/>
+              <a:lumOff val="0"/>
+              <a:alphaOff val="0"/>
+            </a:schemeClr>
+          </a:effectRef>
+          <a:fontRef idx="minor">
+            <a:schemeClr val="lt1"/>
+          </a:fontRef>
+        </p:style>
+        <p:txBody>
+          <a:bodyPr spcFirstLastPara="0" vert="horz" wrap="square" lIns="1841084" tIns="83820" rIns="83821" bIns="83820" numCol="1" spcCol="1270" anchor="ctr" anchorCtr="0">
+            <a:noAutofit/>
+          </a:bodyPr>
+          <a:lstStyle/>
+          <a:p>
+            <a:pPr lvl="0" algn="l" defTabSz="977900" rtl="0">
+              <a:lnSpc>
+                <a:spcPct val="90000"/>
+              </a:lnSpc>
+              <a:spcBef>
+                <a:spcPct val="0"/>
+              </a:spcBef>
+              <a:spcAft>
+                <a:spcPct val="35000"/>
+              </a:spcAft>
+            </a:pPr>
+            <a:r>
+              <a:rPr lang="de-DE" sz="2200" b="1" i="0" kern="1200" baseline="0" dirty="0" smtClean="0"/>
+              <a:t>It is a challenging problem as the videos are captured in unconstrained conditions which may include illumination variations, large head poses, </a:t>
+            </a:r>
+            <a:r>
+              <a:rPr lang="de-DE" sz="2200" b="1" i="0" kern="1200" baseline="0" dirty="0" smtClean="0"/>
+              <a:t>occlusions,</a:t>
+            </a:r>
+            <a:r>
+              <a:rPr lang="de-DE" sz="2200" b="1" i="0" kern="1200" dirty="0" smtClean="0"/>
+              <a:t> etc.</a:t>
+            </a:r>
+            <a:endParaRPr lang="en-US" sz="2200" kern="1200" dirty="0"/>
+          </a:p>
+        </p:txBody>
+      </p:sp>
+      <p:sp>
+        <p:nvSpPr>
+          <p:cNvPr id="12" name="Rounded Rectangle 11"/>
+          <p:cNvSpPr/>
+          <p:nvPr/>
+        </p:nvSpPr>
+        <p:spPr>
+          <a:xfrm>
+            <a:off x="-15716330" y="16897946"/>
+            <a:ext cx="58288" cy="45719"/>
+          </a:xfrm>
+          <a:prstGeom prst="roundRect">
+            <a:avLst>
+              <a:gd name="adj" fmla="val 10000"/>
+            </a:avLst>
+          </a:prstGeom>
+        </p:spPr>
+        <p:style>
+          <a:lnRef idx="0">
+            <a:schemeClr val="lt1">
+              <a:hueOff val="0"/>
+              <a:satOff val="0"/>
+              <a:lumOff val="0"/>
+              <a:alphaOff val="0"/>
+            </a:schemeClr>
+          </a:lnRef>
+          <a:fillRef idx="1">
+            <a:schemeClr val="accent1">
+              <a:tint val="50000"/>
+              <a:hueOff val="0"/>
+              <a:satOff val="0"/>
+              <a:lumOff val="0"/>
+              <a:alphaOff val="0"/>
+            </a:schemeClr>
+          </a:fillRef>
+          <a:effectRef idx="2">
+            <a:schemeClr val="accent1">
+              <a:tint val="50000"/>
+              <a:hueOff val="0"/>
+              <a:satOff val="0"/>
+              <a:lumOff val="0"/>
+              <a:alphaOff val="0"/>
+            </a:schemeClr>
+          </a:effectRef>
+          <a:fontRef idx="minor">
+            <a:schemeClr val="lt1">
+              <a:hueOff val="0"/>
+              <a:satOff val="0"/>
+              <a:lumOff val="0"/>
+              <a:alphaOff val="0"/>
+            </a:schemeClr>
+          </a:fontRef>
+        </p:style>
       </p:sp>
       <p:sp>
         <p:nvSpPr>
@@ -2408,6 +3024,47 @@
           </a:p>
         </p:txBody>
       </p:sp>
+      <p:pic>
+        <p:nvPicPr>
+          <p:cNvPr id="1026" name="Picture 2" descr="Image result for face occlusion&quot;"/>
+          <p:cNvPicPr>
+            <a:picLocks noChangeAspect="1" noChangeArrowheads="1"/>
+          </p:cNvPicPr>
+          <p:nvPr/>
+        </p:nvPicPr>
+        <p:blipFill>
+          <a:blip r:embed="rId4">
+            <a:extLst>
+              <a:ext uri="{28A0092B-C50C-407E-A947-70E740481C1C}">
+                <a14:useLocalDpi xmlns:a14="http://schemas.microsoft.com/office/drawing/2010/main" val="0"/>
+              </a:ext>
+            </a:extLst>
+          </a:blip>
+          <a:srcRect/>
+          <a:stretch>
+            <a:fillRect/>
+          </a:stretch>
+        </p:blipFill>
+        <p:spPr bwMode="auto">
+          <a:xfrm>
+            <a:off x="664339" y="4953214"/>
+            <a:ext cx="1550239" cy="1000239"/>
+          </a:xfrm>
+          <a:prstGeom prst="rect">
+            <a:avLst/>
+          </a:prstGeom>
+          <a:noFill/>
+          <a:extLst>
+            <a:ext uri="{909E8E84-426E-40DD-AFC4-6F175D3DCCD1}">
+              <a14:hiddenFill xmlns:a14="http://schemas.microsoft.com/office/drawing/2010/main">
+                <a:solidFill>
+                  <a:srgbClr val="FFFFFF"/>
+                </a:solidFill>
+              </a14:hiddenFill>
+            </a:ext>
+          </a:extLst>
+        </p:spPr>
+      </p:pic>
     </p:spTree>
     <p:extLst>
       <p:ext uri="{BB962C8B-B14F-4D97-AF65-F5344CB8AC3E}">
@@ -2418,6 +3075,9 @@
   <p:clrMapOvr>
     <a:masterClrMapping/>
   </p:clrMapOvr>
+  <p:transition spd="slow">
+    <p:push dir="u"/>
+  </p:transition>
   <p:timing>
     <p:tnLst>
       <p:par>
@@ -2484,18 +3144,28 @@
           <a:lstStyle/>
           <a:p>
             <a:r>
+              <a:rPr lang="de-DE" dirty="0" smtClean="0"/>
+              <a:t>Image-based </a:t>
+            </a:r>
+            <a:r>
               <a:rPr lang="de-DE" dirty="0"/>
-              <a:t>There are two basic approaches – Image-based and Video-based.</a:t>
-            </a:r>
-          </a:p>
-          <a:p>
+              <a:t>methods </a:t>
+            </a:r>
+            <a:r>
+              <a:rPr lang="de-DE" dirty="0" smtClean="0"/>
+              <a:t>use models trained on still images</a:t>
+            </a:r>
+            <a:r>
+              <a:rPr lang="de-DE" dirty="0" smtClean="0"/>
+              <a:t> </a:t>
+            </a:r>
             <a:r>
               <a:rPr lang="de-DE" dirty="0"/>
-              <a:t>Image-based methods operate only on still </a:t>
+              <a:t>i</a:t>
             </a:r>
             <a:r>
               <a:rPr lang="de-DE" dirty="0" smtClean="0"/>
-              <a:t>frames.</a:t>
+              <a:t>n each frame.</a:t>
             </a:r>
             <a:endParaRPr lang="de-DE" dirty="0"/>
           </a:p>
@@ -2510,7 +3180,38 @@
             </a:r>
             <a:r>
               <a:rPr lang="de-DE" dirty="0"/>
-              <a:t>methods make use of temporal information to predict facial landmarks in each frame.</a:t>
+              <a:t>methods make use of temporal information to predict facial landmarks in each frame</a:t>
+            </a:r>
+            <a:r>
+              <a:rPr lang="de-DE" dirty="0" smtClean="0"/>
+              <a:t>.</a:t>
+            </a:r>
+          </a:p>
+          <a:p>
+            <a:r>
+              <a:rPr lang="de-DE" dirty="0" smtClean="0"/>
+              <a:t>Various approaches – </a:t>
+            </a:r>
+          </a:p>
+          <a:p>
+            <a:pPr lvl="1"/>
+            <a:r>
+              <a:rPr lang="de-DE" dirty="0" smtClean="0"/>
+              <a:t>Regression-based methods</a:t>
+            </a:r>
+          </a:p>
+          <a:p>
+            <a:pPr lvl="1"/>
+            <a:r>
+              <a:rPr lang="de-DE" dirty="0" smtClean="0"/>
+              <a:t>Video-based face alignment</a:t>
+            </a:r>
+          </a:p>
+          <a:p>
+            <a:pPr lvl="1"/>
+            <a:r>
+              <a:rPr lang="de-DE" dirty="0" smtClean="0"/>
+              <a:t>Encoder-Decoder Networks</a:t>
             </a:r>
             <a:endParaRPr lang="de-DE" dirty="0"/>
           </a:p>
@@ -2549,6 +3250,13 @@
   <p:clrMapOvr>
     <a:masterClrMapping/>
   </p:clrMapOvr>
+  <p:timing>
+    <p:tnLst>
+      <p:par>
+        <p:cTn id="1" dur="indefinite" restart="never" nodeType="tmRoot"/>
+      </p:par>
+    </p:tnLst>
+  </p:timing>
 </p:sld>
 </file>
 
@@ -2737,13 +3445,38 @@
             </a:r>
             <a:r>
               <a:rPr lang="en-US" dirty="0" smtClean="0"/>
-              <a:t>/Particle filters.</a:t>
-            </a:r>
-          </a:p>
-          <a:p>
+              <a:t>/Particle filters</a:t>
+            </a:r>
             <a:r>
               <a:rPr lang="en-US" dirty="0" smtClean="0"/>
-              <a:t>CNN layers followed by recurrent layers as dense layers.</a:t>
+              <a:t>.</a:t>
+            </a:r>
+          </a:p>
+          <a:p>
+            <a:r>
+              <a:rPr lang="en-US" dirty="0" smtClean="0"/>
+              <a:t>Bayesian filters require problem-specific design and tuning.</a:t>
+            </a:r>
+          </a:p>
+          <a:p>
+            <a:r>
+              <a:rPr lang="en-US" dirty="0" smtClean="0"/>
+              <a:t>This RNN based method avoids tracker engineering by learning from data (large data).</a:t>
+            </a:r>
+            <a:endParaRPr lang="en-US" dirty="0" smtClean="0"/>
+          </a:p>
+          <a:p>
+            <a:r>
+              <a:rPr lang="en-US" dirty="0" smtClean="0"/>
+              <a:t>CNN layers followed by </a:t>
+            </a:r>
+            <a:r>
+              <a:rPr lang="en-US" dirty="0" smtClean="0"/>
+              <a:t>recurrent </a:t>
+            </a:r>
+            <a:r>
+              <a:rPr lang="en-US" dirty="0" smtClean="0"/>
+              <a:t>layers as dense layers.</a:t>
             </a:r>
           </a:p>
           <a:p>
@@ -3224,7 +3957,23 @@
           <a:p>
             <a:r>
               <a:rPr lang="en-US" dirty="0" smtClean="0"/>
-              <a:t>Following are some of the metrics used to compare the above methods in this survey :– </a:t>
+              <a:t>Following are some of the metrics </a:t>
+            </a:r>
+            <a:r>
+              <a:rPr lang="en-US" dirty="0" smtClean="0"/>
+              <a:t>that will be used </a:t>
+            </a:r>
+            <a:r>
+              <a:rPr lang="en-US" dirty="0" smtClean="0"/>
+              <a:t>to compare the </a:t>
+            </a:r>
+            <a:r>
+              <a:rPr lang="en-US" dirty="0" smtClean="0"/>
+              <a:t>various methods </a:t>
+            </a:r>
+            <a:r>
+              <a:rPr lang="en-US" dirty="0" smtClean="0"/>
+              <a:t>in this survey :– </a:t>
             </a:r>
           </a:p>
           <a:p>
